--- a/documentation/diagrams/data_architecture.pptx
+++ b/documentation/diagrams/data_architecture.pptx
@@ -260,7 +260,7 @@
           <a:p>
             <a:fld id="{327D9B8E-3CE8-4FBA-9FC1-61311527FA80}" type="datetimeFigureOut">
               <a:rPr lang="en-US" smtClean="0"/>
-              <a:t>5/30/2020</a:t>
+              <a:t>6/22/2020</a:t>
             </a:fld>
             <a:endParaRPr lang="en-US"/>
           </a:p>
@@ -458,7 +458,7 @@
           <a:p>
             <a:fld id="{327D9B8E-3CE8-4FBA-9FC1-61311527FA80}" type="datetimeFigureOut">
               <a:rPr lang="en-US" smtClean="0"/>
-              <a:t>5/30/2020</a:t>
+              <a:t>6/22/2020</a:t>
             </a:fld>
             <a:endParaRPr lang="en-US"/>
           </a:p>
@@ -666,7 +666,7 @@
           <a:p>
             <a:fld id="{327D9B8E-3CE8-4FBA-9FC1-61311527FA80}" type="datetimeFigureOut">
               <a:rPr lang="en-US" smtClean="0"/>
-              <a:t>5/30/2020</a:t>
+              <a:t>6/22/2020</a:t>
             </a:fld>
             <a:endParaRPr lang="en-US"/>
           </a:p>
@@ -864,7 +864,7 @@
           <a:p>
             <a:fld id="{327D9B8E-3CE8-4FBA-9FC1-61311527FA80}" type="datetimeFigureOut">
               <a:rPr lang="en-US" smtClean="0"/>
-              <a:t>5/30/2020</a:t>
+              <a:t>6/22/2020</a:t>
             </a:fld>
             <a:endParaRPr lang="en-US"/>
           </a:p>
@@ -1139,7 +1139,7 @@
           <a:p>
             <a:fld id="{327D9B8E-3CE8-4FBA-9FC1-61311527FA80}" type="datetimeFigureOut">
               <a:rPr lang="en-US" smtClean="0"/>
-              <a:t>5/30/2020</a:t>
+              <a:t>6/22/2020</a:t>
             </a:fld>
             <a:endParaRPr lang="en-US"/>
           </a:p>
@@ -1404,7 +1404,7 @@
           <a:p>
             <a:fld id="{327D9B8E-3CE8-4FBA-9FC1-61311527FA80}" type="datetimeFigureOut">
               <a:rPr lang="en-US" smtClean="0"/>
-              <a:t>5/30/2020</a:t>
+              <a:t>6/22/2020</a:t>
             </a:fld>
             <a:endParaRPr lang="en-US"/>
           </a:p>
@@ -1816,7 +1816,7 @@
           <a:p>
             <a:fld id="{327D9B8E-3CE8-4FBA-9FC1-61311527FA80}" type="datetimeFigureOut">
               <a:rPr lang="en-US" smtClean="0"/>
-              <a:t>5/30/2020</a:t>
+              <a:t>6/22/2020</a:t>
             </a:fld>
             <a:endParaRPr lang="en-US"/>
           </a:p>
@@ -1957,7 +1957,7 @@
           <a:p>
             <a:fld id="{327D9B8E-3CE8-4FBA-9FC1-61311527FA80}" type="datetimeFigureOut">
               <a:rPr lang="en-US" smtClean="0"/>
-              <a:t>5/30/2020</a:t>
+              <a:t>6/22/2020</a:t>
             </a:fld>
             <a:endParaRPr lang="en-US"/>
           </a:p>
@@ -2070,7 +2070,7 @@
           <a:p>
             <a:fld id="{327D9B8E-3CE8-4FBA-9FC1-61311527FA80}" type="datetimeFigureOut">
               <a:rPr lang="en-US" smtClean="0"/>
-              <a:t>5/30/2020</a:t>
+              <a:t>6/22/2020</a:t>
             </a:fld>
             <a:endParaRPr lang="en-US"/>
           </a:p>
@@ -2381,7 +2381,7 @@
           <a:p>
             <a:fld id="{327D9B8E-3CE8-4FBA-9FC1-61311527FA80}" type="datetimeFigureOut">
               <a:rPr lang="en-US" smtClean="0"/>
-              <a:t>5/30/2020</a:t>
+              <a:t>6/22/2020</a:t>
             </a:fld>
             <a:endParaRPr lang="en-US"/>
           </a:p>
@@ -2669,7 +2669,7 @@
           <a:p>
             <a:fld id="{327D9B8E-3CE8-4FBA-9FC1-61311527FA80}" type="datetimeFigureOut">
               <a:rPr lang="en-US" smtClean="0"/>
-              <a:t>5/30/2020</a:t>
+              <a:t>6/22/2020</a:t>
             </a:fld>
             <a:endParaRPr lang="en-US"/>
           </a:p>
@@ -2910,7 +2910,7 @@
           <a:p>
             <a:fld id="{327D9B8E-3CE8-4FBA-9FC1-61311527FA80}" type="datetimeFigureOut">
               <a:rPr lang="en-US" smtClean="0"/>
-              <a:t>5/30/2020</a:t>
+              <a:t>6/22/2020</a:t>
             </a:fld>
             <a:endParaRPr lang="en-US"/>
           </a:p>
@@ -4658,7 +4658,7 @@
           <a:p>
             <a:r>
               <a:rPr lang="en-US" dirty="0"/>
-              <a:t>Data Selection – Curated Files</a:t>
+              <a:t>Data Staging – Curated Files</a:t>
             </a:r>
           </a:p>
         </p:txBody>
@@ -7645,9 +7645,9 @@
         <p:grpSpPr>
           <a:xfrm>
             <a:off x="9293854" y="191542"/>
-            <a:ext cx="2680750" cy="6066186"/>
+            <a:ext cx="2680750" cy="3594722"/>
             <a:chOff x="9293854" y="191542"/>
-            <a:chExt cx="2680750" cy="6066186"/>
+            <a:chExt cx="2680750" cy="3594722"/>
           </a:xfrm>
         </p:grpSpPr>
         <p:grpSp>
@@ -7958,7 +7958,7 @@
                 <a:pPr algn="ctr"/>
                 <a:r>
                   <a:rPr lang="en-US" sz="1400" dirty="0" err="1"/>
-                  <a:t>dim.geography</a:t>
+                  <a:t>dim.cities</a:t>
                 </a:r>
                 <a:endParaRPr lang="en-US" dirty="0"/>
               </a:p>
@@ -7980,9 +7980,9 @@
           <p:grpSpPr>
             <a:xfrm>
               <a:off x="10228658" y="191542"/>
-              <a:ext cx="831386" cy="1119819"/>
+              <a:ext cx="831386" cy="1304485"/>
               <a:chOff x="9311458" y="289046"/>
-              <a:chExt cx="831386" cy="1119819"/>
+              <a:chExt cx="831386" cy="1304485"/>
             </a:xfrm>
           </p:grpSpPr>
           <p:pic>
@@ -8047,7 +8047,7 @@
             <p:spPr>
               <a:xfrm>
                 <a:off x="9311458" y="947200"/>
-                <a:ext cx="831386" cy="461665"/>
+                <a:ext cx="831386" cy="646331"/>
               </a:xfrm>
               <a:prstGeom prst="rect">
                 <a:avLst/>
@@ -8062,115 +8062,10 @@
               <a:p>
                 <a:pPr algn="ctr"/>
                 <a:r>
-                  <a:rPr lang="en-US" sz="1200" dirty="0"/>
-                  <a:t>facts.college_stats</a:t>
+                  <a:rPr lang="en-US" sz="1200" dirty="0" err="1"/>
+                  <a:t>facts.college_metrics</a:t>
                 </a:r>
                 <a:endParaRPr lang="en-US" sz="1600" dirty="0"/>
-              </a:p>
-            </p:txBody>
-          </p:sp>
-        </p:grpSp>
-        <p:grpSp>
-          <p:nvGrpSpPr>
-            <p:cNvPr id="136" name="Group 135">
-              <a:extLst>
-                <a:ext uri="{FF2B5EF4-FFF2-40B4-BE49-F238E27FC236}">
-                  <a16:creationId xmlns:a16="http://schemas.microsoft.com/office/drawing/2014/main" id="{FA629940-571C-496A-98A9-E264DF170D13}"/>
-                </a:ext>
-              </a:extLst>
-            </p:cNvPr>
-            <p:cNvGrpSpPr/>
-            <p:nvPr/>
-          </p:nvGrpSpPr>
-          <p:grpSpPr>
-            <a:xfrm>
-              <a:off x="10228658" y="1396605"/>
-              <a:ext cx="831386" cy="1181374"/>
-              <a:chOff x="9311458" y="289046"/>
-              <a:chExt cx="831386" cy="1181374"/>
-            </a:xfrm>
-          </p:grpSpPr>
-          <p:pic>
-            <p:nvPicPr>
-              <p:cNvPr id="137" name="Picture 2" descr="Csv, file, plano icon">
-                <a:extLst>
-                  <a:ext uri="{FF2B5EF4-FFF2-40B4-BE49-F238E27FC236}">
-                    <a16:creationId xmlns:a16="http://schemas.microsoft.com/office/drawing/2014/main" id="{4B612D5B-3E1C-47B8-91EC-90C69058B9DA}"/>
-                  </a:ext>
-                </a:extLst>
-              </p:cNvPr>
-              <p:cNvPicPr>
-                <a:picLocks noChangeAspect="1" noChangeArrowheads="1"/>
-              </p:cNvPicPr>
-              <p:nvPr/>
-            </p:nvPicPr>
-            <p:blipFill>
-              <a:blip r:embed="rId3">
-                <a:extLst>
-                  <a:ext uri="{28A0092B-C50C-407E-A947-70E740481C1C}">
-                    <a14:useLocalDpi xmlns:a14="http://schemas.microsoft.com/office/drawing/2010/main" val="0"/>
-                  </a:ext>
-                </a:extLst>
-              </a:blip>
-              <a:srcRect/>
-              <a:stretch>
-                <a:fillRect/>
-              </a:stretch>
-            </p:blipFill>
-            <p:spPr bwMode="auto">
-              <a:xfrm>
-                <a:off x="9383147" y="289046"/>
-                <a:ext cx="688009" cy="688009"/>
-              </a:xfrm>
-              <a:prstGeom prst="rect">
-                <a:avLst/>
-              </a:prstGeom>
-              <a:noFill/>
-              <a:extLst>
-                <a:ext uri="{909E8E84-426E-40DD-AFC4-6F175D3DCCD1}">
-                  <a14:hiddenFill xmlns:a14="http://schemas.microsoft.com/office/drawing/2010/main">
-                    <a:solidFill>
-                      <a:srgbClr val="FFFFFF"/>
-                    </a:solidFill>
-                  </a14:hiddenFill>
-                </a:ext>
-              </a:extLst>
-            </p:spPr>
-          </p:pic>
-          <p:sp>
-            <p:nvSpPr>
-              <p:cNvPr id="138" name="TextBox 137">
-                <a:extLst>
-                  <a:ext uri="{FF2B5EF4-FFF2-40B4-BE49-F238E27FC236}">
-                    <a16:creationId xmlns:a16="http://schemas.microsoft.com/office/drawing/2014/main" id="{E05146ED-0FB1-47B7-8FD3-EFC882E5DB9A}"/>
-                  </a:ext>
-                </a:extLst>
-              </p:cNvPr>
-              <p:cNvSpPr txBox="1"/>
-              <p:nvPr/>
-            </p:nvSpPr>
-            <p:spPr>
-              <a:xfrm>
-                <a:off x="9311458" y="947200"/>
-                <a:ext cx="831386" cy="523220"/>
-              </a:xfrm>
-              <a:prstGeom prst="rect">
-                <a:avLst/>
-              </a:prstGeom>
-              <a:noFill/>
-            </p:spPr>
-            <p:txBody>
-              <a:bodyPr wrap="square" rtlCol="0">
-                <a:spAutoFit/>
-              </a:bodyPr>
-              <a:lstStyle/>
-              <a:p>
-                <a:pPr algn="ctr"/>
-                <a:r>
-                  <a:rPr lang="en-US" sz="1400" dirty="0" err="1"/>
-                  <a:t>facts.draft</a:t>
-                </a:r>
-                <a:endParaRPr lang="en-US" dirty="0"/>
               </a:p>
             </p:txBody>
           </p:sp>
@@ -8190,9 +8085,9 @@
           <p:grpSpPr>
             <a:xfrm>
               <a:off x="11143218" y="191542"/>
-              <a:ext cx="831386" cy="1181374"/>
+              <a:ext cx="831386" cy="1396818"/>
               <a:chOff x="9311458" y="289046"/>
-              <a:chExt cx="831386" cy="1181374"/>
+              <a:chExt cx="831386" cy="1396818"/>
             </a:xfrm>
           </p:grpSpPr>
           <p:pic>
@@ -8257,7 +8152,7 @@
             <p:spPr>
               <a:xfrm>
                 <a:off x="9311458" y="947200"/>
-                <a:ext cx="831386" cy="523220"/>
+                <a:ext cx="831386" cy="738664"/>
               </a:xfrm>
               <a:prstGeom prst="rect">
                 <a:avLst/>
@@ -8273,427 +8168,7 @@
                 <a:pPr algn="ctr"/>
                 <a:r>
                   <a:rPr lang="en-US" sz="1400" dirty="0" err="1"/>
-                  <a:t>facts.workout</a:t>
-                </a:r>
-                <a:endParaRPr lang="en-US" dirty="0"/>
-              </a:p>
-            </p:txBody>
-          </p:sp>
-        </p:grpSp>
-        <p:grpSp>
-          <p:nvGrpSpPr>
-            <p:cNvPr id="142" name="Group 141">
-              <a:extLst>
-                <a:ext uri="{FF2B5EF4-FFF2-40B4-BE49-F238E27FC236}">
-                  <a16:creationId xmlns:a16="http://schemas.microsoft.com/office/drawing/2014/main" id="{1244CE58-8679-4C05-B6E6-20B216FAF7E9}"/>
-                </a:ext>
-              </a:extLst>
-            </p:cNvPr>
-            <p:cNvGrpSpPr/>
-            <p:nvPr/>
-          </p:nvGrpSpPr>
-          <p:grpSpPr>
-            <a:xfrm>
-              <a:off x="11143218" y="1396605"/>
-              <a:ext cx="831386" cy="1089041"/>
-              <a:chOff x="9311458" y="289046"/>
-              <a:chExt cx="831386" cy="1089041"/>
-            </a:xfrm>
-          </p:grpSpPr>
-          <p:pic>
-            <p:nvPicPr>
-              <p:cNvPr id="143" name="Picture 2" descr="Csv, file, plano icon">
-                <a:extLst>
-                  <a:ext uri="{FF2B5EF4-FFF2-40B4-BE49-F238E27FC236}">
-                    <a16:creationId xmlns:a16="http://schemas.microsoft.com/office/drawing/2014/main" id="{11C8D0D1-FEC8-4E91-BE32-EA3C679256DD}"/>
-                  </a:ext>
-                </a:extLst>
-              </p:cNvPr>
-              <p:cNvPicPr>
-                <a:picLocks noChangeAspect="1" noChangeArrowheads="1"/>
-              </p:cNvPicPr>
-              <p:nvPr/>
-            </p:nvPicPr>
-            <p:blipFill>
-              <a:blip r:embed="rId3">
-                <a:extLst>
-                  <a:ext uri="{28A0092B-C50C-407E-A947-70E740481C1C}">
-                    <a14:useLocalDpi xmlns:a14="http://schemas.microsoft.com/office/drawing/2010/main" val="0"/>
-                  </a:ext>
-                </a:extLst>
-              </a:blip>
-              <a:srcRect/>
-              <a:stretch>
-                <a:fillRect/>
-              </a:stretch>
-            </p:blipFill>
-            <p:spPr bwMode="auto">
-              <a:xfrm>
-                <a:off x="9383147" y="289046"/>
-                <a:ext cx="688009" cy="688009"/>
-              </a:xfrm>
-              <a:prstGeom prst="rect">
-                <a:avLst/>
-              </a:prstGeom>
-              <a:noFill/>
-              <a:extLst>
-                <a:ext uri="{909E8E84-426E-40DD-AFC4-6F175D3DCCD1}">
-                  <a14:hiddenFill xmlns:a14="http://schemas.microsoft.com/office/drawing/2010/main">
-                    <a:solidFill>
-                      <a:srgbClr val="FFFFFF"/>
-                    </a:solidFill>
-                  </a14:hiddenFill>
-                </a:ext>
-              </a:extLst>
-            </p:spPr>
-          </p:pic>
-          <p:sp>
-            <p:nvSpPr>
-              <p:cNvPr id="144" name="TextBox 143">
-                <a:extLst>
-                  <a:ext uri="{FF2B5EF4-FFF2-40B4-BE49-F238E27FC236}">
-                    <a16:creationId xmlns:a16="http://schemas.microsoft.com/office/drawing/2014/main" id="{B3A8E334-6A72-4371-B844-0FDC62EDAF04}"/>
-                  </a:ext>
-                </a:extLst>
-              </p:cNvPr>
-              <p:cNvSpPr txBox="1"/>
-              <p:nvPr/>
-            </p:nvSpPr>
-            <p:spPr>
-              <a:xfrm>
-                <a:off x="9311458" y="947200"/>
-                <a:ext cx="831386" cy="430887"/>
-              </a:xfrm>
-              <a:prstGeom prst="rect">
-                <a:avLst/>
-              </a:prstGeom>
-              <a:noFill/>
-            </p:spPr>
-            <p:txBody>
-              <a:bodyPr wrap="square" rtlCol="0">
-                <a:spAutoFit/>
-              </a:bodyPr>
-              <a:lstStyle/>
-              <a:p>
-                <a:pPr algn="ctr"/>
-                <a:r>
-                  <a:rPr lang="en-US" sz="1100" dirty="0"/>
-                  <a:t>facts.madden_ranking</a:t>
-                </a:r>
-                <a:endParaRPr lang="en-US" sz="1400" dirty="0"/>
-              </a:p>
-            </p:txBody>
-          </p:sp>
-        </p:grpSp>
-        <p:grpSp>
-          <p:nvGrpSpPr>
-            <p:cNvPr id="145" name="Group 144">
-              <a:extLst>
-                <a:ext uri="{FF2B5EF4-FFF2-40B4-BE49-F238E27FC236}">
-                  <a16:creationId xmlns:a16="http://schemas.microsoft.com/office/drawing/2014/main" id="{CE662CF1-AAC3-41FA-82C0-113CA1BA0AA6}"/>
-                </a:ext>
-              </a:extLst>
-            </p:cNvPr>
-            <p:cNvGrpSpPr/>
-            <p:nvPr/>
-          </p:nvGrpSpPr>
-          <p:grpSpPr>
-            <a:xfrm>
-              <a:off x="10228658" y="2604890"/>
-              <a:ext cx="831386" cy="1181374"/>
-              <a:chOff x="9311458" y="289046"/>
-              <a:chExt cx="831386" cy="1181374"/>
-            </a:xfrm>
-          </p:grpSpPr>
-          <p:pic>
-            <p:nvPicPr>
-              <p:cNvPr id="146" name="Picture 2" descr="Csv, file, plano icon">
-                <a:extLst>
-                  <a:ext uri="{FF2B5EF4-FFF2-40B4-BE49-F238E27FC236}">
-                    <a16:creationId xmlns:a16="http://schemas.microsoft.com/office/drawing/2014/main" id="{BD704C39-0F6C-4A7A-941C-B0109C529489}"/>
-                  </a:ext>
-                </a:extLst>
-              </p:cNvPr>
-              <p:cNvPicPr>
-                <a:picLocks noChangeAspect="1" noChangeArrowheads="1"/>
-              </p:cNvPicPr>
-              <p:nvPr/>
-            </p:nvPicPr>
-            <p:blipFill>
-              <a:blip r:embed="rId3">
-                <a:extLst>
-                  <a:ext uri="{28A0092B-C50C-407E-A947-70E740481C1C}">
-                    <a14:useLocalDpi xmlns:a14="http://schemas.microsoft.com/office/drawing/2010/main" val="0"/>
-                  </a:ext>
-                </a:extLst>
-              </a:blip>
-              <a:srcRect/>
-              <a:stretch>
-                <a:fillRect/>
-              </a:stretch>
-            </p:blipFill>
-            <p:spPr bwMode="auto">
-              <a:xfrm>
-                <a:off x="9383147" y="289046"/>
-                <a:ext cx="688009" cy="688009"/>
-              </a:xfrm>
-              <a:prstGeom prst="rect">
-                <a:avLst/>
-              </a:prstGeom>
-              <a:noFill/>
-              <a:extLst>
-                <a:ext uri="{909E8E84-426E-40DD-AFC4-6F175D3DCCD1}">
-                  <a14:hiddenFill xmlns:a14="http://schemas.microsoft.com/office/drawing/2010/main">
-                    <a:solidFill>
-                      <a:srgbClr val="FFFFFF"/>
-                    </a:solidFill>
-                  </a14:hiddenFill>
-                </a:ext>
-              </a:extLst>
-            </p:spPr>
-          </p:pic>
-          <p:sp>
-            <p:nvSpPr>
-              <p:cNvPr id="147" name="TextBox 146">
-                <a:extLst>
-                  <a:ext uri="{FF2B5EF4-FFF2-40B4-BE49-F238E27FC236}">
-                    <a16:creationId xmlns:a16="http://schemas.microsoft.com/office/drawing/2014/main" id="{99A371F6-E673-4EA8-9358-12D4798D9F89}"/>
-                  </a:ext>
-                </a:extLst>
-              </p:cNvPr>
-              <p:cNvSpPr txBox="1"/>
-              <p:nvPr/>
-            </p:nvSpPr>
-            <p:spPr>
-              <a:xfrm>
-                <a:off x="9311458" y="947200"/>
-                <a:ext cx="831386" cy="523220"/>
-              </a:xfrm>
-              <a:prstGeom prst="rect">
-                <a:avLst/>
-              </a:prstGeom>
-              <a:noFill/>
-            </p:spPr>
-            <p:txBody>
-              <a:bodyPr wrap="square" rtlCol="0">
-                <a:spAutoFit/>
-              </a:bodyPr>
-              <a:lstStyle/>
-              <a:p>
-                <a:pPr algn="ctr"/>
-                <a:r>
-                  <a:rPr lang="en-US" sz="1400" dirty="0" err="1"/>
-                  <a:t>facts.weather</a:t>
-                </a:r>
-                <a:endParaRPr lang="en-US" dirty="0"/>
-              </a:p>
-            </p:txBody>
-          </p:sp>
-        </p:grpSp>
-        <p:grpSp>
-          <p:nvGrpSpPr>
-            <p:cNvPr id="148" name="Group 147">
-              <a:extLst>
-                <a:ext uri="{FF2B5EF4-FFF2-40B4-BE49-F238E27FC236}">
-                  <a16:creationId xmlns:a16="http://schemas.microsoft.com/office/drawing/2014/main" id="{3D5B4955-0C69-4E56-A9E2-246EA02122C9}"/>
-                </a:ext>
-              </a:extLst>
-            </p:cNvPr>
-            <p:cNvGrpSpPr/>
-            <p:nvPr/>
-          </p:nvGrpSpPr>
-          <p:grpSpPr>
-            <a:xfrm>
-              <a:off x="9293854" y="3855151"/>
-              <a:ext cx="831386" cy="1181374"/>
-              <a:chOff x="9311458" y="289046"/>
-              <a:chExt cx="831386" cy="1181374"/>
-            </a:xfrm>
-          </p:grpSpPr>
-          <p:pic>
-            <p:nvPicPr>
-              <p:cNvPr id="149" name="Picture 2" descr="Csv, file, plano icon">
-                <a:extLst>
-                  <a:ext uri="{FF2B5EF4-FFF2-40B4-BE49-F238E27FC236}">
-                    <a16:creationId xmlns:a16="http://schemas.microsoft.com/office/drawing/2014/main" id="{2F3F1897-579A-4D2A-ABAC-81D395B6515C}"/>
-                  </a:ext>
-                </a:extLst>
-              </p:cNvPr>
-              <p:cNvPicPr>
-                <a:picLocks noChangeAspect="1" noChangeArrowheads="1"/>
-              </p:cNvPicPr>
-              <p:nvPr/>
-            </p:nvPicPr>
-            <p:blipFill>
-              <a:blip r:embed="rId3">
-                <a:extLst>
-                  <a:ext uri="{28A0092B-C50C-407E-A947-70E740481C1C}">
-                    <a14:useLocalDpi xmlns:a14="http://schemas.microsoft.com/office/drawing/2010/main" val="0"/>
-                  </a:ext>
-                </a:extLst>
-              </a:blip>
-              <a:srcRect/>
-              <a:stretch>
-                <a:fillRect/>
-              </a:stretch>
-            </p:blipFill>
-            <p:spPr bwMode="auto">
-              <a:xfrm>
-                <a:off x="9383147" y="289046"/>
-                <a:ext cx="688009" cy="688009"/>
-              </a:xfrm>
-              <a:prstGeom prst="rect">
-                <a:avLst/>
-              </a:prstGeom>
-              <a:noFill/>
-              <a:extLst>
-                <a:ext uri="{909E8E84-426E-40DD-AFC4-6F175D3DCCD1}">
-                  <a14:hiddenFill xmlns:a14="http://schemas.microsoft.com/office/drawing/2010/main">
-                    <a:solidFill>
-                      <a:srgbClr val="FFFFFF"/>
-                    </a:solidFill>
-                  </a14:hiddenFill>
-                </a:ext>
-              </a:extLst>
-            </p:spPr>
-          </p:pic>
-          <p:sp>
-            <p:nvSpPr>
-              <p:cNvPr id="150" name="TextBox 149">
-                <a:extLst>
-                  <a:ext uri="{FF2B5EF4-FFF2-40B4-BE49-F238E27FC236}">
-                    <a16:creationId xmlns:a16="http://schemas.microsoft.com/office/drawing/2014/main" id="{D576922E-D620-4006-96FE-7BA4F3273270}"/>
-                  </a:ext>
-                </a:extLst>
-              </p:cNvPr>
-              <p:cNvSpPr txBox="1"/>
-              <p:nvPr/>
-            </p:nvSpPr>
-            <p:spPr>
-              <a:xfrm>
-                <a:off x="9311458" y="947200"/>
-                <a:ext cx="831386" cy="523220"/>
-              </a:xfrm>
-              <a:prstGeom prst="rect">
-                <a:avLst/>
-              </a:prstGeom>
-              <a:noFill/>
-            </p:spPr>
-            <p:txBody>
-              <a:bodyPr wrap="square" rtlCol="0">
-                <a:spAutoFit/>
-              </a:bodyPr>
-              <a:lstStyle/>
-              <a:p>
-                <a:pPr algn="ctr"/>
-                <a:r>
-                  <a:rPr lang="en-US" sz="1400" dirty="0" err="1"/>
-                  <a:t>dim.time</a:t>
-                </a:r>
-                <a:endParaRPr lang="en-US" dirty="0"/>
-              </a:p>
-            </p:txBody>
-          </p:sp>
-        </p:grpSp>
-        <p:grpSp>
-          <p:nvGrpSpPr>
-            <p:cNvPr id="151" name="Group 150">
-              <a:extLst>
-                <a:ext uri="{FF2B5EF4-FFF2-40B4-BE49-F238E27FC236}">
-                  <a16:creationId xmlns:a16="http://schemas.microsoft.com/office/drawing/2014/main" id="{B1A362A4-76DE-46AC-A062-E42E06EDBE39}"/>
-                </a:ext>
-              </a:extLst>
-            </p:cNvPr>
-            <p:cNvGrpSpPr/>
-            <p:nvPr/>
-          </p:nvGrpSpPr>
-          <p:grpSpPr>
-            <a:xfrm>
-              <a:off x="9293854" y="5076354"/>
-              <a:ext cx="831386" cy="1181374"/>
-              <a:chOff x="9311458" y="289046"/>
-              <a:chExt cx="831386" cy="1181374"/>
-            </a:xfrm>
-          </p:grpSpPr>
-          <p:pic>
-            <p:nvPicPr>
-              <p:cNvPr id="152" name="Picture 2" descr="Csv, file, plano icon">
-                <a:extLst>
-                  <a:ext uri="{FF2B5EF4-FFF2-40B4-BE49-F238E27FC236}">
-                    <a16:creationId xmlns:a16="http://schemas.microsoft.com/office/drawing/2014/main" id="{E220E417-B377-46C3-A281-3EC150F92227}"/>
-                  </a:ext>
-                </a:extLst>
-              </p:cNvPr>
-              <p:cNvPicPr>
-                <a:picLocks noChangeAspect="1" noChangeArrowheads="1"/>
-              </p:cNvPicPr>
-              <p:nvPr/>
-            </p:nvPicPr>
-            <p:blipFill>
-              <a:blip r:embed="rId3">
-                <a:extLst>
-                  <a:ext uri="{28A0092B-C50C-407E-A947-70E740481C1C}">
-                    <a14:useLocalDpi xmlns:a14="http://schemas.microsoft.com/office/drawing/2010/main" val="0"/>
-                  </a:ext>
-                </a:extLst>
-              </a:blip>
-              <a:srcRect/>
-              <a:stretch>
-                <a:fillRect/>
-              </a:stretch>
-            </p:blipFill>
-            <p:spPr bwMode="auto">
-              <a:xfrm>
-                <a:off x="9383147" y="289046"/>
-                <a:ext cx="688009" cy="688009"/>
-              </a:xfrm>
-              <a:prstGeom prst="rect">
-                <a:avLst/>
-              </a:prstGeom>
-              <a:noFill/>
-              <a:extLst>
-                <a:ext uri="{909E8E84-426E-40DD-AFC4-6F175D3DCCD1}">
-                  <a14:hiddenFill xmlns:a14="http://schemas.microsoft.com/office/drawing/2010/main">
-                    <a:solidFill>
-                      <a:srgbClr val="FFFFFF"/>
-                    </a:solidFill>
-                  </a14:hiddenFill>
-                </a:ext>
-              </a:extLst>
-            </p:spPr>
-          </p:pic>
-          <p:sp>
-            <p:nvSpPr>
-              <p:cNvPr id="153" name="TextBox 152">
-                <a:extLst>
-                  <a:ext uri="{FF2B5EF4-FFF2-40B4-BE49-F238E27FC236}">
-                    <a16:creationId xmlns:a16="http://schemas.microsoft.com/office/drawing/2014/main" id="{41E5117C-323C-4385-9B8E-D6966AA66C56}"/>
-                  </a:ext>
-                </a:extLst>
-              </p:cNvPr>
-              <p:cNvSpPr txBox="1"/>
-              <p:nvPr/>
-            </p:nvSpPr>
-            <p:spPr>
-              <a:xfrm>
-                <a:off x="9311458" y="947200"/>
-                <a:ext cx="831386" cy="523220"/>
-              </a:xfrm>
-              <a:prstGeom prst="rect">
-                <a:avLst/>
-              </a:prstGeom>
-              <a:noFill/>
-            </p:spPr>
-            <p:txBody>
-              <a:bodyPr wrap="square" rtlCol="0">
-                <a:spAutoFit/>
-              </a:bodyPr>
-              <a:lstStyle/>
-              <a:p>
-                <a:pPr algn="ctr"/>
-                <a:r>
-                  <a:rPr lang="en-US" sz="1400" dirty="0" err="1"/>
-                  <a:t>dim.positions</a:t>
+                  <a:t>facts.player_metrics</a:t>
                 </a:r>
                 <a:endParaRPr lang="en-US" dirty="0"/>
               </a:p>
@@ -8714,10 +8189,10 @@
           </p:nvGrpSpPr>
           <p:grpSpPr>
             <a:xfrm>
-              <a:off x="10228658" y="3855151"/>
-              <a:ext cx="831386" cy="1181374"/>
-              <a:chOff x="9311458" y="289046"/>
-              <a:chExt cx="831386" cy="1181374"/>
+              <a:off x="10254310" y="1901946"/>
+              <a:ext cx="831386" cy="1349147"/>
+              <a:chOff x="9337110" y="-1664159"/>
+              <a:chExt cx="831386" cy="1349147"/>
             </a:xfrm>
           </p:grpSpPr>
           <p:pic>
@@ -8749,7 +8224,7 @@
             </p:blipFill>
             <p:spPr bwMode="auto">
               <a:xfrm>
-                <a:off x="9383147" y="289046"/>
+                <a:off x="9341144" y="-1664159"/>
                 <a:ext cx="688009" cy="688009"/>
               </a:xfrm>
               <a:prstGeom prst="rect">
@@ -8781,8 +8256,8 @@
             </p:nvSpPr>
             <p:spPr>
               <a:xfrm>
-                <a:off x="9311458" y="947200"/>
-                <a:ext cx="831386" cy="523220"/>
+                <a:off x="9337110" y="-1053676"/>
+                <a:ext cx="831386" cy="738664"/>
               </a:xfrm>
               <a:prstGeom prst="rect">
                 <a:avLst/>
@@ -8798,7 +8273,7 @@
                 <a:pPr algn="ctr"/>
                 <a:r>
                   <a:rPr lang="en-US" sz="1400" dirty="0" err="1"/>
-                  <a:t>reporting.alldata</a:t>
+                  <a:t>reporting.running_back</a:t>
                 </a:r>
                 <a:endParaRPr lang="en-US" dirty="0"/>
               </a:p>
@@ -8820,8 +8295,8 @@
         </p:nvSpPr>
         <p:spPr>
           <a:xfrm>
-            <a:off x="9207527" y="62513"/>
-            <a:ext cx="960597" cy="6246847"/>
+            <a:off x="9207527" y="62514"/>
+            <a:ext cx="960597" cy="3766254"/>
           </a:xfrm>
           <a:prstGeom prst="rect">
             <a:avLst/>
@@ -8873,7 +8348,7 @@
         <p:spPr>
           <a:xfrm>
             <a:off x="10254310" y="62513"/>
-            <a:ext cx="1720288" cy="3723752"/>
+            <a:ext cx="1720288" cy="1664019"/>
           </a:xfrm>
           <a:prstGeom prst="rect">
             <a:avLst/>
@@ -8924,8 +8399,8 @@
         </p:nvSpPr>
         <p:spPr>
           <a:xfrm>
-            <a:off x="10280322" y="3828767"/>
-            <a:ext cx="791618" cy="1240683"/>
+            <a:off x="10279306" y="1848551"/>
+            <a:ext cx="1695291" cy="2894437"/>
           </a:xfrm>
           <a:prstGeom prst="rect">
             <a:avLst/>
@@ -8959,6 +8434,174 @@
           <a:p>
             <a:pPr algn="ctr"/>
             <a:endParaRPr lang="en-US"/>
+          </a:p>
+        </p:txBody>
+      </p:sp>
+      <p:pic>
+        <p:nvPicPr>
+          <p:cNvPr id="123" name="Picture 2" descr="Csv, file, plano icon">
+            <a:extLst>
+              <a:ext uri="{FF2B5EF4-FFF2-40B4-BE49-F238E27FC236}">
+                <a16:creationId xmlns:a16="http://schemas.microsoft.com/office/drawing/2014/main" id="{7668416E-FAEB-4F62-8DE4-A4C7D6ACC0C9}"/>
+              </a:ext>
+            </a:extLst>
+          </p:cNvPr>
+          <p:cNvPicPr>
+            <a:picLocks noChangeAspect="1" noChangeArrowheads="1"/>
+          </p:cNvPicPr>
+          <p:nvPr/>
+        </p:nvPicPr>
+        <p:blipFill>
+          <a:blip r:embed="rId3">
+            <a:extLst>
+              <a:ext uri="{28A0092B-C50C-407E-A947-70E740481C1C}">
+                <a14:useLocalDpi xmlns:a14="http://schemas.microsoft.com/office/drawing/2010/main" val="0"/>
+              </a:ext>
+            </a:extLst>
+          </a:blip>
+          <a:srcRect/>
+          <a:stretch>
+            <a:fillRect/>
+          </a:stretch>
+        </p:blipFill>
+        <p:spPr bwMode="auto">
+          <a:xfrm>
+            <a:off x="11106658" y="1901946"/>
+            <a:ext cx="688009" cy="688009"/>
+          </a:xfrm>
+          <a:prstGeom prst="rect">
+            <a:avLst/>
+          </a:prstGeom>
+          <a:noFill/>
+          <a:extLst>
+            <a:ext uri="{909E8E84-426E-40DD-AFC4-6F175D3DCCD1}">
+              <a14:hiddenFill xmlns:a14="http://schemas.microsoft.com/office/drawing/2010/main">
+                <a:solidFill>
+                  <a:srgbClr val="FFFFFF"/>
+                </a:solidFill>
+              </a14:hiddenFill>
+            </a:ext>
+          </a:extLst>
+        </p:spPr>
+      </p:pic>
+      <p:sp>
+        <p:nvSpPr>
+          <p:cNvPr id="124" name="TextBox 123">
+            <a:extLst>
+              <a:ext uri="{FF2B5EF4-FFF2-40B4-BE49-F238E27FC236}">
+                <a16:creationId xmlns:a16="http://schemas.microsoft.com/office/drawing/2014/main" id="{49219AAE-E6FB-4B74-BB62-A973FCD6F99F}"/>
+              </a:ext>
+            </a:extLst>
+          </p:cNvPr>
+          <p:cNvSpPr txBox="1"/>
+          <p:nvPr/>
+        </p:nvSpPr>
+        <p:spPr>
+          <a:xfrm>
+            <a:off x="11102624" y="2512429"/>
+            <a:ext cx="831386" cy="738664"/>
+          </a:xfrm>
+          <a:prstGeom prst="rect">
+            <a:avLst/>
+          </a:prstGeom>
+          <a:noFill/>
+        </p:spPr>
+        <p:txBody>
+          <a:bodyPr wrap="square" rtlCol="0">
+            <a:spAutoFit/>
+          </a:bodyPr>
+          <a:lstStyle/>
+          <a:p>
+            <a:pPr algn="ctr"/>
+            <a:r>
+              <a:rPr lang="en-US" sz="1400" dirty="0" err="1"/>
+              <a:t>reporting.corner_back</a:t>
+            </a:r>
+            <a:endParaRPr lang="en-US" dirty="0"/>
+          </a:p>
+        </p:txBody>
+      </p:sp>
+      <p:pic>
+        <p:nvPicPr>
+          <p:cNvPr id="129" name="Picture 2" descr="Csv, file, plano icon">
+            <a:extLst>
+              <a:ext uri="{FF2B5EF4-FFF2-40B4-BE49-F238E27FC236}">
+                <a16:creationId xmlns:a16="http://schemas.microsoft.com/office/drawing/2014/main" id="{C9507CE4-0455-43F7-9761-3495B6DBE825}"/>
+              </a:ext>
+            </a:extLst>
+          </p:cNvPr>
+          <p:cNvPicPr>
+            <a:picLocks noChangeAspect="1" noChangeArrowheads="1"/>
+          </p:cNvPicPr>
+          <p:nvPr/>
+        </p:nvPicPr>
+        <p:blipFill>
+          <a:blip r:embed="rId3">
+            <a:extLst>
+              <a:ext uri="{28A0092B-C50C-407E-A947-70E740481C1C}">
+                <a14:useLocalDpi xmlns:a14="http://schemas.microsoft.com/office/drawing/2010/main" val="0"/>
+              </a:ext>
+            </a:extLst>
+          </a:blip>
+          <a:srcRect/>
+          <a:stretch>
+            <a:fillRect/>
+          </a:stretch>
+        </p:blipFill>
+        <p:spPr bwMode="auto">
+          <a:xfrm>
+            <a:off x="10280770" y="3322467"/>
+            <a:ext cx="688009" cy="688009"/>
+          </a:xfrm>
+          <a:prstGeom prst="rect">
+            <a:avLst/>
+          </a:prstGeom>
+          <a:noFill/>
+          <a:extLst>
+            <a:ext uri="{909E8E84-426E-40DD-AFC4-6F175D3DCCD1}">
+              <a14:hiddenFill xmlns:a14="http://schemas.microsoft.com/office/drawing/2010/main">
+                <a:solidFill>
+                  <a:srgbClr val="FFFFFF"/>
+                </a:solidFill>
+              </a14:hiddenFill>
+            </a:ext>
+          </a:extLst>
+        </p:spPr>
+      </p:pic>
+      <p:sp>
+        <p:nvSpPr>
+          <p:cNvPr id="157" name="TextBox 156">
+            <a:extLst>
+              <a:ext uri="{FF2B5EF4-FFF2-40B4-BE49-F238E27FC236}">
+                <a16:creationId xmlns:a16="http://schemas.microsoft.com/office/drawing/2014/main" id="{A3FBE583-258F-4EE4-9B78-D47E9EC2976A}"/>
+              </a:ext>
+            </a:extLst>
+          </p:cNvPr>
+          <p:cNvSpPr txBox="1"/>
+          <p:nvPr/>
+        </p:nvSpPr>
+        <p:spPr>
+          <a:xfrm>
+            <a:off x="10276736" y="3932950"/>
+            <a:ext cx="831386" cy="738664"/>
+          </a:xfrm>
+          <a:prstGeom prst="rect">
+            <a:avLst/>
+          </a:prstGeom>
+          <a:noFill/>
+        </p:spPr>
+        <p:txBody>
+          <a:bodyPr wrap="square" rtlCol="0">
+            <a:spAutoFit/>
+          </a:bodyPr>
+          <a:lstStyle/>
+          <a:p>
+            <a:pPr algn="ctr"/>
+            <a:r>
+              <a:rPr lang="en-US" sz="1400" dirty="0" err="1"/>
+              <a:t>reporting.wide_reciever</a:t>
+            </a:r>
+            <a:endParaRPr lang="en-US" dirty="0"/>
           </a:p>
         </p:txBody>
       </p:sp>
